--- a/Documentos/Apresentação/SLIDES-BACKUP.pptx
+++ b/Documentos/Apresentação/SLIDES-BACKUP.pptx
@@ -5,7 +5,7 @@
     <p:sldMasterId id="2147483660" r:id="rId1"/>
   </p:sldMasterIdLst>
   <p:notesMasterIdLst>
-    <p:notesMasterId r:id="rId7"/>
+    <p:notesMasterId r:id="rId8"/>
   </p:notesMasterIdLst>
   <p:sldIdLst>
     <p:sldId id="256" r:id="rId2"/>
@@ -13,6 +13,7 @@
     <p:sldId id="258" r:id="rId4"/>
     <p:sldId id="259" r:id="rId5"/>
     <p:sldId id="260" r:id="rId6"/>
+    <p:sldId id="261" r:id="rId7"/>
   </p:sldIdLst>
   <p:sldSz cx="12192000" cy="6858000"/>
   <p:notesSz cx="6858000" cy="9144000"/>
@@ -111,6 +112,11 @@
       </a:defRPr>
     </a:lvl9pPr>
   </p:defaultTextStyle>
+  <p:extLst>
+    <p:ext uri="{EFAFB233-063F-42B5-8137-9DF3F51BA10A}">
+      <p15:sldGuideLst xmlns:p15="http://schemas.microsoft.com/office/powerpoint/2012/main"/>
+    </p:ext>
+  </p:extLst>
 </p:presentation>
 </file>
 
@@ -196,7 +202,7 @@
           <a:p>
             <a:fld id="{38AFD9EF-3B13-4056-BF26-190054DFC6D4}" type="datetimeFigureOut">
               <a:rPr lang="pt-BR" smtClean="0"/>
-              <a:t>18/12/2017</a:t>
+              <a:t>20/12/2017</a:t>
             </a:fld>
             <a:endParaRPr lang="pt-BR"/>
           </a:p>
@@ -690,7 +696,7 @@
           <a:p>
             <a:fld id="{F2B13662-4E6A-4E9D-92C4-C8AEAED6D7F9}" type="datetime1">
               <a:rPr lang="pt-BR" smtClean="0"/>
-              <a:t>18/12/2017</a:t>
+              <a:t>20/12/2017</a:t>
             </a:fld>
             <a:endParaRPr lang="pt-BR"/>
           </a:p>
@@ -898,7 +904,7 @@
           <a:p>
             <a:fld id="{F0F856B3-D851-4FD7-BE9F-2E52EB88F3A2}" type="datetime1">
               <a:rPr lang="pt-BR" smtClean="0"/>
-              <a:t>18/12/2017</a:t>
+              <a:t>20/12/2017</a:t>
             </a:fld>
             <a:endParaRPr lang="pt-BR"/>
           </a:p>
@@ -1154,7 +1160,7 @@
           <a:p>
             <a:fld id="{AA2ED817-221F-41A7-9FF3-321F952CEFAA}" type="datetime1">
               <a:rPr lang="pt-BR" smtClean="0"/>
-              <a:t>18/12/2017</a:t>
+              <a:t>20/12/2017</a:t>
             </a:fld>
             <a:endParaRPr lang="pt-BR"/>
           </a:p>
@@ -1328,7 +1334,7 @@
           <a:p>
             <a:fld id="{CB8A1ACC-4992-4A59-A5E8-D501CCE53ACF}" type="datetime1">
               <a:rPr lang="pt-BR" smtClean="0"/>
-              <a:t>18/12/2017</a:t>
+              <a:t>20/12/2017</a:t>
             </a:fld>
             <a:endParaRPr lang="pt-BR"/>
           </a:p>
@@ -1671,7 +1677,7 @@
           <a:p>
             <a:fld id="{FCBF750E-787F-49B7-AA1A-91A4DB330F4C}" type="datetime1">
               <a:rPr lang="pt-BR" smtClean="0"/>
-              <a:t>18/12/2017</a:t>
+              <a:t>20/12/2017</a:t>
             </a:fld>
             <a:endParaRPr lang="pt-BR"/>
           </a:p>
@@ -1946,7 +1952,7 @@
           <a:p>
             <a:fld id="{A726A7AD-DCC1-469F-A05D-7B1333F7DA1F}" type="datetime1">
               <a:rPr lang="pt-BR" smtClean="0"/>
-              <a:t>18/12/2017</a:t>
+              <a:t>20/12/2017</a:t>
             </a:fld>
             <a:endParaRPr lang="pt-BR"/>
           </a:p>
@@ -2325,7 +2331,7 @@
           <a:p>
             <a:fld id="{FD077BDE-8869-4E42-AE4C-0AB55B06AEFC}" type="datetime1">
               <a:rPr lang="pt-BR" smtClean="0"/>
-              <a:t>18/12/2017</a:t>
+              <a:t>20/12/2017</a:t>
             </a:fld>
             <a:endParaRPr lang="pt-BR"/>
           </a:p>
@@ -2443,7 +2449,7 @@
           <a:p>
             <a:fld id="{FA966D9D-EDE8-4687-8779-B8FE4080DADC}" type="datetime1">
               <a:rPr lang="pt-BR" smtClean="0"/>
-              <a:t>18/12/2017</a:t>
+              <a:t>20/12/2017</a:t>
             </a:fld>
             <a:endParaRPr lang="pt-BR"/>
           </a:p>
@@ -2614,7 +2620,7 @@
           <a:p>
             <a:fld id="{FD7405A6-D207-4B96-8BA0-F442E6513A51}" type="datetime1">
               <a:rPr lang="pt-BR" smtClean="0"/>
-              <a:t>18/12/2017</a:t>
+              <a:t>20/12/2017</a:t>
             </a:fld>
             <a:endParaRPr lang="pt-BR"/>
           </a:p>
@@ -2968,7 +2974,7 @@
           <a:p>
             <a:fld id="{AC2C1DB5-620B-46FD-9493-27679EC7E0D7}" type="datetime1">
               <a:rPr lang="pt-BR" smtClean="0"/>
-              <a:t>18/12/2017</a:t>
+              <a:t>20/12/2017</a:t>
             </a:fld>
             <a:endParaRPr lang="pt-BR"/>
           </a:p>
@@ -3350,7 +3356,7 @@
           <a:p>
             <a:fld id="{3EF4B27D-B171-44AA-991B-80F650662D4B}" type="datetime1">
               <a:rPr lang="pt-BR" smtClean="0"/>
-              <a:t>18/12/2017</a:t>
+              <a:t>20/12/2017</a:t>
             </a:fld>
             <a:endParaRPr lang="pt-BR"/>
           </a:p>
@@ -3637,7 +3643,7 @@
           <a:p>
             <a:fld id="{CB2668FA-DA44-4797-A46D-17B2D70B4A30}" type="datetime1">
               <a:rPr lang="pt-BR" smtClean="0"/>
-              <a:t>18/12/2017</a:t>
+              <a:t>20/12/2017</a:t>
             </a:fld>
             <a:endParaRPr lang="pt-BR"/>
           </a:p>
@@ -5238,6 +5244,242 @@
     <p:extLst>
       <p:ext uri="{BB962C8B-B14F-4D97-AF65-F5344CB8AC3E}">
         <p14:creationId xmlns:p14="http://schemas.microsoft.com/office/powerpoint/2010/main" val="322535454"/>
+      </p:ext>
+    </p:extLst>
+  </p:cSld>
+  <p:clrMapOvr>
+    <a:masterClrMapping/>
+  </p:clrMapOvr>
+</p:sld>
+</file>
+
+<file path=ppt/slides/slide6.xml><?xml version="1.0" encoding="utf-8"?>
+<p:sld xmlns:a="http://schemas.openxmlformats.org/drawingml/2006/main" xmlns:r="http://schemas.openxmlformats.org/officeDocument/2006/relationships" xmlns:p="http://schemas.openxmlformats.org/presentationml/2006/main">
+  <p:cSld>
+    <p:spTree>
+      <p:nvGrpSpPr>
+        <p:cNvPr id="1" name=""/>
+        <p:cNvGrpSpPr/>
+        <p:nvPr/>
+      </p:nvGrpSpPr>
+      <p:grpSpPr>
+        <a:xfrm>
+          <a:off x="0" y="0"/>
+          <a:ext cx="0" cy="0"/>
+          <a:chOff x="0" y="0"/>
+          <a:chExt cx="0" cy="0"/>
+        </a:xfrm>
+      </p:grpSpPr>
+      <p:sp>
+        <p:nvSpPr>
+          <p:cNvPr id="4" name="Título 11"/>
+          <p:cNvSpPr txBox="1">
+            <a:spLocks/>
+          </p:cNvSpPr>
+          <p:nvPr/>
+        </p:nvSpPr>
+        <p:spPr>
+          <a:xfrm>
+            <a:off x="1097280" y="1737359"/>
+            <a:ext cx="10058400" cy="2411559"/>
+          </a:xfrm>
+          <a:prstGeom prst="rect">
+            <a:avLst/>
+          </a:prstGeom>
+        </p:spPr>
+        <p:txBody>
+          <a:bodyPr>
+            <a:normAutofit fontScale="97500"/>
+          </a:bodyPr>
+          <a:lstStyle>
+            <a:lvl1pPr algn="l" defTabSz="914400" rtl="0" eaLnBrk="1" latinLnBrk="0" hangingPunct="1">
+              <a:lnSpc>
+                <a:spcPct val="90000"/>
+              </a:lnSpc>
+              <a:spcBef>
+                <a:spcPct val="0"/>
+              </a:spcBef>
+              <a:buNone/>
+              <a:defRPr sz="4400" kern="1200">
+                <a:solidFill>
+                  <a:schemeClr val="tx1"/>
+                </a:solidFill>
+                <a:latin typeface="+mj-lt"/>
+                <a:ea typeface="+mj-ea"/>
+                <a:cs typeface="+mj-cs"/>
+              </a:defRPr>
+            </a:lvl1pPr>
+          </a:lstStyle>
+          <a:p>
+            <a:pPr algn="ctr"/>
+            <a:endParaRPr lang="pt-BR" sz="4300" dirty="0"/>
+          </a:p>
+        </p:txBody>
+      </p:sp>
+      <p:pic>
+        <p:nvPicPr>
+          <p:cNvPr id="5" name="Imagem 4"/>
+          <p:cNvPicPr>
+            <a:picLocks noChangeAspect="1"/>
+          </p:cNvPicPr>
+          <p:nvPr/>
+        </p:nvPicPr>
+        <p:blipFill>
+          <a:blip r:embed="rId2">
+            <a:extLst>
+              <a:ext uri="{28A0092B-C50C-407E-A947-70E740481C1C}">
+                <a14:useLocalDpi xmlns:a14="http://schemas.microsoft.com/office/drawing/2010/main" val="0"/>
+              </a:ext>
+            </a:extLst>
+          </a:blip>
+          <a:stretch>
+            <a:fillRect/>
+          </a:stretch>
+        </p:blipFill>
+        <p:spPr>
+          <a:xfrm>
+            <a:off x="0" y="0"/>
+            <a:ext cx="4067175" cy="921714"/>
+          </a:xfrm>
+          <a:prstGeom prst="rect">
+            <a:avLst/>
+          </a:prstGeom>
+        </p:spPr>
+      </p:pic>
+      <p:pic>
+        <p:nvPicPr>
+          <p:cNvPr id="6" name="Imagem 5"/>
+          <p:cNvPicPr>
+            <a:picLocks noChangeAspect="1"/>
+          </p:cNvPicPr>
+          <p:nvPr/>
+        </p:nvPicPr>
+        <p:blipFill>
+          <a:blip r:embed="rId3">
+            <a:extLst>
+              <a:ext uri="{28A0092B-C50C-407E-A947-70E740481C1C}">
+                <a14:useLocalDpi xmlns:a14="http://schemas.microsoft.com/office/drawing/2010/main" val="0"/>
+              </a:ext>
+            </a:extLst>
+          </a:blip>
+          <a:stretch>
+            <a:fillRect/>
+          </a:stretch>
+        </p:blipFill>
+        <p:spPr>
+          <a:xfrm>
+            <a:off x="8005068" y="50626"/>
+            <a:ext cx="3790780" cy="871088"/>
+          </a:xfrm>
+          <a:prstGeom prst="rect">
+            <a:avLst/>
+          </a:prstGeom>
+        </p:spPr>
+      </p:pic>
+      <p:sp>
+        <p:nvSpPr>
+          <p:cNvPr id="2" name="Espaço Reservado para Número de Slide 1"/>
+          <p:cNvSpPr>
+            <a:spLocks noGrp="1"/>
+          </p:cNvSpPr>
+          <p:nvPr>
+            <p:ph type="sldNum" sz="quarter" idx="12"/>
+          </p:nvPr>
+        </p:nvSpPr>
+        <p:spPr/>
+        <p:txBody>
+          <a:bodyPr/>
+          <a:lstStyle/>
+          <a:p>
+            <a:fld id="{39F092DB-4A1B-440D-9CC9-8EB48BFD1683}" type="slidenum">
+              <a:rPr lang="pt-BR" smtClean="0"/>
+              <a:t>6</a:t>
+            </a:fld>
+            <a:endParaRPr lang="pt-BR"/>
+          </a:p>
+        </p:txBody>
+      </p:sp>
+      <p:sp>
+        <p:nvSpPr>
+          <p:cNvPr id="3" name="CaixaDeTexto 2"/>
+          <p:cNvSpPr txBox="1"/>
+          <p:nvPr/>
+        </p:nvSpPr>
+        <p:spPr>
+          <a:xfrm>
+            <a:off x="587828" y="1920240"/>
+            <a:ext cx="10802983" cy="1754326"/>
+          </a:xfrm>
+          <a:prstGeom prst="rect">
+            <a:avLst/>
+          </a:prstGeom>
+          <a:noFill/>
+        </p:spPr>
+        <p:txBody>
+          <a:bodyPr wrap="square" rtlCol="0">
+            <a:spAutoFit/>
+          </a:bodyPr>
+          <a:lstStyle/>
+          <a:p>
+            <a:pPr marL="285750" indent="-285750">
+              <a:buFont typeface="Arial" panose="020B0604020202020204" pitchFamily="34" charset="0"/>
+              <a:buChar char="•"/>
+            </a:pPr>
+            <a:r>
+              <a:rPr lang="pt-BR" b="1" dirty="0" smtClean="0"/>
+              <a:t>FRAMEWORK:</a:t>
+            </a:r>
+            <a:r>
+              <a:rPr lang="pt-BR" dirty="0" smtClean="0"/>
+              <a:t> software desenvolvido para auxiliar na construção de novos softwares.</a:t>
+            </a:r>
+          </a:p>
+          <a:p>
+            <a:pPr marL="285750" indent="-285750">
+              <a:buFont typeface="Arial" panose="020B0604020202020204" pitchFamily="34" charset="0"/>
+              <a:buChar char="•"/>
+            </a:pPr>
+            <a:r>
+              <a:rPr lang="pt-BR" dirty="0" smtClean="0"/>
+              <a:t>HIBERNATE e JPA:</a:t>
+            </a:r>
+          </a:p>
+          <a:p>
+            <a:pPr marL="742950" lvl="1" indent="-285750">
+              <a:buFont typeface="Arial" panose="020B0604020202020204" pitchFamily="34" charset="0"/>
+              <a:buChar char="•"/>
+            </a:pPr>
+            <a:r>
+              <a:rPr lang="pt-BR" dirty="0" smtClean="0"/>
+              <a:t>Hibernate inspirou a implementação JPA;</a:t>
+            </a:r>
+          </a:p>
+          <a:p>
+            <a:pPr marL="742950" lvl="1" indent="-285750">
+              <a:buFont typeface="Arial" panose="020B0604020202020204" pitchFamily="34" charset="0"/>
+              <a:buChar char="•"/>
+            </a:pPr>
+            <a:r>
+              <a:rPr lang="pt-BR" dirty="0" smtClean="0"/>
+              <a:t>Por isso pode-se utilizar Hibernate através da especificação JPA;</a:t>
+            </a:r>
+          </a:p>
+          <a:p>
+            <a:pPr marL="742950" lvl="1" indent="-285750">
+              <a:buFont typeface="Arial" panose="020B0604020202020204" pitchFamily="34" charset="0"/>
+              <a:buChar char="•"/>
+            </a:pPr>
+            <a:endParaRPr lang="pt-BR" dirty="0" smtClean="0"/>
+          </a:p>
+          <a:p>
+            <a:endParaRPr lang="pt-BR" dirty="0"/>
+          </a:p>
+        </p:txBody>
+      </p:sp>
+    </p:spTree>
+    <p:extLst>
+      <p:ext uri="{BB962C8B-B14F-4D97-AF65-F5344CB8AC3E}">
+        <p14:creationId xmlns:p14="http://schemas.microsoft.com/office/powerpoint/2010/main" val="3090825586"/>
       </p:ext>
     </p:extLst>
   </p:cSld>

--- a/Documentos/Apresentação/SLIDES-BACKUP.pptx
+++ b/Documentos/Apresentação/SLIDES-BACKUP.pptx
@@ -4723,9 +4723,39 @@
           </a:p>
         </p:txBody>
       </p:sp>
+      <p:sp>
+        <p:nvSpPr>
+          <p:cNvPr id="8" name="CaixaDeTexto 7"/>
+          <p:cNvSpPr txBox="1"/>
+          <p:nvPr/>
+        </p:nvSpPr>
+        <p:spPr>
+          <a:xfrm>
+            <a:off x="4624252" y="5473337"/>
+            <a:ext cx="2188676" cy="369332"/>
+          </a:xfrm>
+          <a:prstGeom prst="rect">
+            <a:avLst/>
+          </a:prstGeom>
+          <a:noFill/>
+        </p:spPr>
+        <p:txBody>
+          <a:bodyPr wrap="none" rtlCol="0">
+            <a:spAutoFit/>
+          </a:bodyPr>
+          <a:lstStyle/>
+          <a:p>
+            <a:r>
+              <a:rPr lang="pt-BR" dirty="0" smtClean="0"/>
+              <a:t>Criptografia de senha</a:t>
+            </a:r>
+            <a:endParaRPr lang="pt-BR" dirty="0"/>
+          </a:p>
+        </p:txBody>
+      </p:sp>
       <p:pic>
         <p:nvPicPr>
-          <p:cNvPr id="7" name="Imagem 6"/>
+          <p:cNvPr id="3" name="Imagem 2"/>
           <p:cNvPicPr>
             <a:picLocks noChangeAspect="1"/>
           </p:cNvPicPr>
@@ -4745,44 +4775,14 @@
         </p:blipFill>
         <p:spPr>
           <a:xfrm>
-            <a:off x="2455817" y="1737359"/>
-            <a:ext cx="7341326" cy="3524742"/>
+            <a:off x="365760" y="1141551"/>
+            <a:ext cx="11221082" cy="4331786"/>
           </a:xfrm>
           <a:prstGeom prst="rect">
             <a:avLst/>
           </a:prstGeom>
         </p:spPr>
       </p:pic>
-      <p:sp>
-        <p:nvSpPr>
-          <p:cNvPr id="8" name="CaixaDeTexto 7"/>
-          <p:cNvSpPr txBox="1"/>
-          <p:nvPr/>
-        </p:nvSpPr>
-        <p:spPr>
-          <a:xfrm>
-            <a:off x="4624252" y="5473337"/>
-            <a:ext cx="2616870" cy="369332"/>
-          </a:xfrm>
-          <a:prstGeom prst="rect">
-            <a:avLst/>
-          </a:prstGeom>
-          <a:noFill/>
-        </p:spPr>
-        <p:txBody>
-          <a:bodyPr wrap="none" rtlCol="0">
-            <a:spAutoFit/>
-          </a:bodyPr>
-          <a:lstStyle/>
-          <a:p>
-            <a:r>
-              <a:rPr lang="pt-BR" dirty="0" smtClean="0"/>
-              <a:t>Funcionamento AngularJS</a:t>
-            </a:r>
-            <a:endParaRPr lang="pt-BR" dirty="0"/>
-          </a:p>
-        </p:txBody>
-      </p:sp>
     </p:spTree>
     <p:extLst>
       <p:ext uri="{BB962C8B-B14F-4D97-AF65-F5344CB8AC3E}">
